--- a/test/pptx/speaker-notes-afterseps/templated.pptx
+++ b/test/pptx/speaker-notes-afterseps/templated.pptx
@@ -5,7 +5,7 @@
     <p:sldMasterId id="2147483648" r:id="rId1"/>
   </p:sldMasterIdLst>
   <p:notesMasterIdLst>
-    <p:NotesMasterId r:id="rId5"/>
+    <p:notesMasterId r:id="rId5"/>
   </p:notesMasterIdLst>
   <p:sldIdLst>
     <p:sldId id="256" r:id="rId2"/>

--- a/test/pptx/speaker-notes-afterseps/templated.pptx
+++ b/test/pptx/speaker-notes-afterseps/templated.pptx
@@ -6770,14 +6770,14 @@
           <a:bodyPr/>
           <a:lstStyle/>
           <a:p>
-            <a:pPr lvl="1"/>
+            <a:pPr lvl="0"/>
             <a:r>
               <a:rPr/>
               <a:t>some stuff</a:t>
             </a:r>
           </a:p>
           <a:p>
-            <a:pPr lvl="1"/>
+            <a:pPr lvl="0"/>
             <a:r>
               <a:rPr/>
               <a:t>some more stuff</a:t>

--- a/test/pptx/speaker-notes-afterseps/templated.pptx
+++ b/test/pptx/speaker-notes-afterseps/templated.pptx
@@ -511,23 +511,7 @@
             </a:pPr>
             <a:r>
               <a:rPr/>
-              <a:t>chicken</a:t>
-            </a:r>
-            <a:r>
-              <a:rPr/>
-              <a:t> </a:t>
-            </a:r>
-            <a:r>
-              <a:rPr/>
-              <a:t>and</a:t>
-            </a:r>
-            <a:r>
-              <a:rPr/>
-              <a:t> </a:t>
-            </a:r>
-            <a:r>
-              <a:rPr/>
-              <a:t>dumplings</a:t>
+              <a:t>chicken and dumplings</a:t>
             </a:r>
           </a:p>
         </p:txBody>
@@ -609,15 +593,7 @@
             </a:pPr>
             <a:r>
               <a:rPr/>
-              <a:t>foo</a:t>
-            </a:r>
-            <a:r>
-              <a:rPr/>
-              <a:t> </a:t>
-            </a:r>
-            <a:r>
-              <a:rPr/>
-              <a:t>bar</a:t>
+              <a:t>foo bar</a:t>
             </a:r>
           </a:p>
         </p:txBody>
@@ -699,85 +675,21 @@
             </a:pPr>
             <a:r>
               <a:rPr/>
-              <a:t>Some</a:t>
-            </a:r>
+              <a:t>Some notes inside a column</a:t>
+            </a:r>
+          </a:p>
+          <a:p>
+            <a:pPr lvl="0" marL="0" indent="0">
+              <a:buNone/>
+            </a:pPr>
+          </a:p>
+          <a:p>
+            <a:pPr lvl="0" marL="0" indent="0">
+              <a:buNone/>
+            </a:pPr>
             <a:r>
               <a:rPr/>
-              <a:t> </a:t>
-            </a:r>
-            <a:r>
-              <a:rPr/>
-              <a:t>notes</a:t>
-            </a:r>
-            <a:r>
-              <a:rPr/>
-              <a:t> </a:t>
-            </a:r>
-            <a:r>
-              <a:rPr/>
-              <a:t>inside</a:t>
-            </a:r>
-            <a:r>
-              <a:rPr/>
-              <a:t> </a:t>
-            </a:r>
-            <a:r>
-              <a:rPr/>
-              <a:t>a</a:t>
-            </a:r>
-            <a:r>
-              <a:rPr/>
-              <a:t> </a:t>
-            </a:r>
-            <a:r>
-              <a:rPr/>
-              <a:t>column</a:t>
-            </a:r>
-          </a:p>
-          <a:p>
-            <a:pPr lvl="0" marL="0" indent="0">
-              <a:buNone/>
-            </a:pPr>
-          </a:p>
-          <a:p>
-            <a:pPr lvl="0" marL="0" indent="0">
-              <a:buNone/>
-            </a:pPr>
-            <a:r>
-              <a:rPr/>
-              <a:t>Some</a:t>
-            </a:r>
-            <a:r>
-              <a:rPr/>
-              <a:t> </a:t>
-            </a:r>
-            <a:r>
-              <a:rPr/>
-              <a:t>notes</a:t>
-            </a:r>
-            <a:r>
-              <a:rPr/>
-              <a:t> </a:t>
-            </a:r>
-            <a:r>
-              <a:rPr/>
-              <a:t>outside</a:t>
-            </a:r>
-            <a:r>
-              <a:rPr/>
-              <a:t> </a:t>
-            </a:r>
-            <a:r>
-              <a:rPr/>
-              <a:t>the</a:t>
-            </a:r>
-            <a:r>
-              <a:rPr/>
-              <a:t> </a:t>
-            </a:r>
-            <a:r>
-              <a:rPr/>
-              <a:t>column</a:t>
+              <a:t>Some notes outside the column</a:t>
             </a:r>
           </a:p>
         </p:txBody>
@@ -6482,15 +6394,7 @@
             </a:pPr>
             <a:r>
               <a:rPr/>
-              <a:t>The</a:t>
-            </a:r>
-            <a:r>
-              <a:rPr/>
-              <a:t> </a:t>
-            </a:r>
-            <a:r>
-              <a:rPr/>
-              <a:t>moon</a:t>
+              <a:t>The moon</a:t>
             </a:r>
           </a:p>
         </p:txBody>
@@ -6824,55 +6728,7 @@
             </a:pPr>
             <a:r>
               <a:rPr/>
-              <a:t>Demonstration</a:t>
-            </a:r>
-            <a:r>
-              <a:rPr/>
-              <a:t> </a:t>
-            </a:r>
-            <a:r>
-              <a:rPr/>
-              <a:t>of</a:t>
-            </a:r>
-            <a:r>
-              <a:rPr/>
-              <a:t> </a:t>
-            </a:r>
-            <a:r>
-              <a:rPr/>
-              <a:t>simple</a:t>
-            </a:r>
-            <a:r>
-              <a:rPr/>
-              <a:t> </a:t>
-            </a:r>
-            <a:r>
-              <a:rPr/>
-              <a:t>table</a:t>
-            </a:r>
-            <a:r>
-              <a:rPr/>
-              <a:t> </a:t>
-            </a:r>
-            <a:r>
-              <a:rPr/>
-              <a:t>syntax,</a:t>
-            </a:r>
-            <a:r>
-              <a:rPr/>
-              <a:t> </a:t>
-            </a:r>
-            <a:r>
-              <a:rPr/>
-              <a:t>with</a:t>
-            </a:r>
-            <a:r>
-              <a:rPr/>
-              <a:t> </a:t>
-            </a:r>
-            <a:r>
-              <a:rPr/>
-              <a:t>alignment</a:t>
+              <a:t>Demonstration of simple table syntax, with alignment</a:t>
             </a:r>
           </a:p>
         </p:txBody>

--- a/test/pptx/speaker-notes-afterseps/templated.pptx
+++ b/test/pptx/speaker-notes-afterseps/templated.pptx
@@ -511,19 +511,11 @@
             </a:pPr>
             <a:r>
               <a:rPr/>
-              <a:t>chicken</a:t>
+              <a:t>chicken </a:t>
             </a:r>
             <a:r>
               <a:rPr/>
-              <a:t> </a:t>
-            </a:r>
-            <a:r>
-              <a:rPr/>
-              <a:t>and</a:t>
-            </a:r>
-            <a:r>
-              <a:rPr/>
-              <a:t> </a:t>
+              <a:t>and </a:t>
             </a:r>
             <a:r>
               <a:rPr/>
@@ -609,11 +601,7 @@
             </a:pPr>
             <a:r>
               <a:rPr/>
-              <a:t>foo</a:t>
-            </a:r>
-            <a:r>
-              <a:rPr/>
-              <a:t> </a:t>
+              <a:t>foo </a:t>
             </a:r>
             <a:r>
               <a:rPr/>
@@ -699,35 +687,19 @@
             </a:pPr>
             <a:r>
               <a:rPr/>
-              <a:t>Some</a:t>
+              <a:t>Some </a:t>
             </a:r>
             <a:r>
               <a:rPr/>
-              <a:t> </a:t>
+              <a:t>notes </a:t>
             </a:r>
             <a:r>
               <a:rPr/>
-              <a:t>notes</a:t>
+              <a:t>inside </a:t>
             </a:r>
             <a:r>
               <a:rPr/>
-              <a:t> </a:t>
-            </a:r>
-            <a:r>
-              <a:rPr/>
-              <a:t>inside</a:t>
-            </a:r>
-            <a:r>
-              <a:rPr/>
-              <a:t> </a:t>
-            </a:r>
-            <a:r>
-              <a:rPr/>
-              <a:t>a</a:t>
-            </a:r>
-            <a:r>
-              <a:rPr/>
-              <a:t> </a:t>
+              <a:t>a </a:t>
             </a:r>
             <a:r>
               <a:rPr/>
@@ -745,35 +717,19 @@
             </a:pPr>
             <a:r>
               <a:rPr/>
-              <a:t>Some</a:t>
+              <a:t>Some </a:t>
             </a:r>
             <a:r>
               <a:rPr/>
-              <a:t> </a:t>
+              <a:t>notes </a:t>
             </a:r>
             <a:r>
               <a:rPr/>
-              <a:t>notes</a:t>
+              <a:t>outside </a:t>
             </a:r>
             <a:r>
               <a:rPr/>
-              <a:t> </a:t>
-            </a:r>
-            <a:r>
-              <a:rPr/>
-              <a:t>outside</a:t>
-            </a:r>
-            <a:r>
-              <a:rPr/>
-              <a:t> </a:t>
-            </a:r>
-            <a:r>
-              <a:rPr/>
-              <a:t>the</a:t>
-            </a:r>
-            <a:r>
-              <a:rPr/>
-              <a:t> </a:t>
+              <a:t>the </a:t>
             </a:r>
             <a:r>
               <a:rPr/>
@@ -6482,11 +6438,7 @@
             </a:pPr>
             <a:r>
               <a:rPr/>
-              <a:t>The</a:t>
-            </a:r>
-            <a:r>
-              <a:rPr/>
-              <a:t> </a:t>
+              <a:t>The </a:t>
             </a:r>
             <a:r>
               <a:rPr/>
@@ -6824,51 +6776,27 @@
             </a:pPr>
             <a:r>
               <a:rPr/>
-              <a:t>Demonstration</a:t>
+              <a:t>Demonstration </a:t>
             </a:r>
             <a:r>
               <a:rPr/>
-              <a:t> </a:t>
+              <a:t>of </a:t>
             </a:r>
             <a:r>
               <a:rPr/>
-              <a:t>of</a:t>
+              <a:t>simple </a:t>
             </a:r>
             <a:r>
               <a:rPr/>
-              <a:t> </a:t>
+              <a:t>table </a:t>
             </a:r>
             <a:r>
               <a:rPr/>
-              <a:t>simple</a:t>
+              <a:t>syntax, </a:t>
             </a:r>
             <a:r>
               <a:rPr/>
-              <a:t> </a:t>
-            </a:r>
-            <a:r>
-              <a:rPr/>
-              <a:t>table</a:t>
-            </a:r>
-            <a:r>
-              <a:rPr/>
-              <a:t> </a:t>
-            </a:r>
-            <a:r>
-              <a:rPr/>
-              <a:t>syntax,</a:t>
-            </a:r>
-            <a:r>
-              <a:rPr/>
-              <a:t> </a:t>
-            </a:r>
-            <a:r>
-              <a:rPr/>
-              <a:t>with</a:t>
-            </a:r>
-            <a:r>
-              <a:rPr/>
-              <a:t> </a:t>
+              <a:t>with </a:t>
             </a:r>
             <a:r>
               <a:rPr/>

--- a/test/pptx/speaker-notes-afterseps/templated.pptx
+++ b/test/pptx/speaker-notes-afterseps/templated.pptx
@@ -511,11 +511,19 @@
             </a:pPr>
             <a:r>
               <a:rPr/>
-              <a:t>chicken </a:t>
+              <a:t>chicken</a:t>
             </a:r>
             <a:r>
               <a:rPr/>
-              <a:t>and </a:t>
+              <a:t> </a:t>
+            </a:r>
+            <a:r>
+              <a:rPr/>
+              <a:t>and</a:t>
+            </a:r>
+            <a:r>
+              <a:rPr/>
+              <a:t> </a:t>
             </a:r>
             <a:r>
               <a:rPr/>
@@ -601,7 +609,11 @@
             </a:pPr>
             <a:r>
               <a:rPr/>
-              <a:t>foo </a:t>
+              <a:t>foo</a:t>
+            </a:r>
+            <a:r>
+              <a:rPr/>
+              <a:t> </a:t>
             </a:r>
             <a:r>
               <a:rPr/>
@@ -687,19 +699,35 @@
             </a:pPr>
             <a:r>
               <a:rPr/>
-              <a:t>Some </a:t>
+              <a:t>Some</a:t>
             </a:r>
             <a:r>
               <a:rPr/>
-              <a:t>notes </a:t>
+              <a:t> </a:t>
             </a:r>
             <a:r>
               <a:rPr/>
-              <a:t>inside </a:t>
+              <a:t>notes</a:t>
             </a:r>
             <a:r>
               <a:rPr/>
-              <a:t>a </a:t>
+              <a:t> </a:t>
+            </a:r>
+            <a:r>
+              <a:rPr/>
+              <a:t>inside</a:t>
+            </a:r>
+            <a:r>
+              <a:rPr/>
+              <a:t> </a:t>
+            </a:r>
+            <a:r>
+              <a:rPr/>
+              <a:t>a</a:t>
+            </a:r>
+            <a:r>
+              <a:rPr/>
+              <a:t> </a:t>
             </a:r>
             <a:r>
               <a:rPr/>
@@ -717,19 +745,35 @@
             </a:pPr>
             <a:r>
               <a:rPr/>
-              <a:t>Some </a:t>
+              <a:t>Some</a:t>
             </a:r>
             <a:r>
               <a:rPr/>
-              <a:t>notes </a:t>
+              <a:t> </a:t>
             </a:r>
             <a:r>
               <a:rPr/>
-              <a:t>outside </a:t>
+              <a:t>notes</a:t>
             </a:r>
             <a:r>
               <a:rPr/>
-              <a:t>the </a:t>
+              <a:t> </a:t>
+            </a:r>
+            <a:r>
+              <a:rPr/>
+              <a:t>outside</a:t>
+            </a:r>
+            <a:r>
+              <a:rPr/>
+              <a:t> </a:t>
+            </a:r>
+            <a:r>
+              <a:rPr/>
+              <a:t>the</a:t>
+            </a:r>
+            <a:r>
+              <a:rPr/>
+              <a:t> </a:t>
             </a:r>
             <a:r>
               <a:rPr/>
@@ -6438,7 +6482,11 @@
             </a:pPr>
             <a:r>
               <a:rPr/>
-              <a:t>The </a:t>
+              <a:t>The</a:t>
+            </a:r>
+            <a:r>
+              <a:rPr/>
+              <a:t> </a:t>
             </a:r>
             <a:r>
               <a:rPr/>
@@ -6776,27 +6824,51 @@
             </a:pPr>
             <a:r>
               <a:rPr/>
-              <a:t>Demonstration </a:t>
+              <a:t>Demonstration</a:t>
             </a:r>
             <a:r>
               <a:rPr/>
-              <a:t>of </a:t>
+              <a:t> </a:t>
             </a:r>
             <a:r>
               <a:rPr/>
-              <a:t>simple </a:t>
+              <a:t>of</a:t>
             </a:r>
             <a:r>
               <a:rPr/>
-              <a:t>table </a:t>
+              <a:t> </a:t>
             </a:r>
             <a:r>
               <a:rPr/>
-              <a:t>syntax, </a:t>
+              <a:t>simple</a:t>
             </a:r>
             <a:r>
               <a:rPr/>
-              <a:t>with </a:t>
+              <a:t> </a:t>
+            </a:r>
+            <a:r>
+              <a:rPr/>
+              <a:t>table</a:t>
+            </a:r>
+            <a:r>
+              <a:rPr/>
+              <a:t> </a:t>
+            </a:r>
+            <a:r>
+              <a:rPr/>
+              <a:t>syntax,</a:t>
+            </a:r>
+            <a:r>
+              <a:rPr/>
+              <a:t> </a:t>
+            </a:r>
+            <a:r>
+              <a:rPr/>
+              <a:t>with</a:t>
+            </a:r>
+            <a:r>
+              <a:rPr/>
+              <a:t> </a:t>
             </a:r>
             <a:r>
               <a:rPr/>

--- a/test/pptx/speaker-notes-afterseps/templated.pptx
+++ b/test/pptx/speaker-notes-afterseps/templated.pptx
@@ -194,7 +194,7 @@
           <a:p>
             <a:fld id="{0F9C1CCF-B725-44A7-AA57-5E433BD85C9F}" type="datetimeFigureOut">
               <a:rPr lang="en-US" smtClean="0"/>
-              <a:t>4/5/2019</a:t>
+              <a:t>1/2/22</a:t>
             </a:fld>
             <a:endParaRPr lang="en-US"/>
           </a:p>
@@ -212,8 +212,8 @@
         </p:nvSpPr>
         <p:spPr>
           <a:xfrm>
-            <a:off x="1371600" y="1143000"/>
-            <a:ext cx="4114800" cy="3086100"/>
+            <a:off x="685800" y="1143000"/>
+            <a:ext cx="5486400" cy="3086100"/>
           </a:xfrm>
           <a:prstGeom prst="rect">
             <a:avLst/>
@@ -258,38 +258,37 @@
           <a:p>
             <a:pPr lvl="0"/>
             <a:r>
-              <a:rPr lang="en-US" smtClean="0"/>
+              <a:rPr lang="en-US"/>
               <a:t>Click to edit Master text styles</a:t>
             </a:r>
           </a:p>
           <a:p>
             <a:pPr lvl="1"/>
             <a:r>
-              <a:rPr lang="en-US" smtClean="0"/>
+              <a:rPr lang="en-US"/>
               <a:t>Second level</a:t>
             </a:r>
           </a:p>
           <a:p>
             <a:pPr lvl="2"/>
             <a:r>
-              <a:rPr lang="en-US" smtClean="0"/>
+              <a:rPr lang="en-US"/>
               <a:t>Third level</a:t>
             </a:r>
           </a:p>
           <a:p>
             <a:pPr lvl="3"/>
             <a:r>
-              <a:rPr lang="en-US" smtClean="0"/>
+              <a:rPr lang="en-US"/>
               <a:t>Fourth level</a:t>
             </a:r>
           </a:p>
           <a:p>
             <a:pPr lvl="4"/>
             <a:r>
-              <a:rPr lang="en-US" smtClean="0"/>
+              <a:rPr lang="en-US"/>
               <a:t>Fifth level</a:t>
             </a:r>
-            <a:endParaRPr lang="en-US"/>
           </a:p>
         </p:txBody>
       </p:sp>
@@ -506,7 +505,7 @@
           <a:bodyPr/>
           <a:lstStyle/>
           <a:p>
-            <a:pPr lvl="0" marL="0" indent="0">
+            <a:pPr lvl="0" indent="0" marL="0">
               <a:buNone/>
             </a:pPr>
             <a:r>
@@ -588,7 +587,7 @@
           <a:bodyPr/>
           <a:lstStyle/>
           <a:p>
-            <a:pPr lvl="0" marL="0" indent="0">
+            <a:pPr lvl="0" indent="0" marL="0">
               <a:buNone/>
             </a:pPr>
             <a:r>
@@ -670,7 +669,7 @@
           <a:bodyPr/>
           <a:lstStyle/>
           <a:p>
-            <a:pPr lvl="0" marL="0" indent="0">
+            <a:pPr lvl="0" indent="0" marL="0">
               <a:buNone/>
             </a:pPr>
             <a:r>
@@ -679,12 +678,12 @@
             </a:r>
           </a:p>
           <a:p>
-            <a:pPr lvl="0" marL="0" indent="0">
+            <a:pPr lvl="0" indent="0" marL="0">
               <a:buNone/>
             </a:pPr>
           </a:p>
           <a:p>
-            <a:pPr lvl="0" marL="0" indent="0">
+            <a:pPr lvl="0" indent="0" marL="0">
               <a:buNone/>
             </a:pPr>
             <a:r>
@@ -6389,7 +6388,7 @@
           <a:bodyPr/>
           <a:lstStyle/>
           <a:p>
-            <a:pPr lvl="0" marL="0" indent="0" algn="ctr">
+            <a:pPr lvl="0" indent="0" marL="0" algn="ctr">
               <a:buNone/>
             </a:pPr>
             <a:r>
@@ -6453,7 +6452,7 @@
                     <a:bodyPr/>
                     <a:lstStyle/>
                     <a:p>
-                      <a:pPr lvl="0" marL="0" indent="0" algn="r">
+                      <a:pPr lvl="0" indent="0" marL="0" algn="r">
                         <a:buNone/>
                       </a:pPr>
                       <a:r>
@@ -6469,7 +6468,7 @@
                     <a:bodyPr/>
                     <a:lstStyle/>
                     <a:p>
-                      <a:pPr lvl="0" marL="0" indent="0" algn="l">
+                      <a:pPr lvl="0" indent="0" marL="0" algn="l">
                         <a:buNone/>
                       </a:pPr>
                       <a:r>
@@ -6485,7 +6484,7 @@
                     <a:bodyPr/>
                     <a:lstStyle/>
                     <a:p>
-                      <a:pPr lvl="0" marL="0" indent="0" algn="ctr">
+                      <a:pPr lvl="0" indent="0" marL="0" algn="ctr">
                         <a:buNone/>
                       </a:pPr>
                       <a:r>
@@ -6501,7 +6500,7 @@
                     <a:bodyPr/>
                     <a:lstStyle/>
                     <a:p>
-                      <a:pPr lvl="0" marL="0" indent="0">
+                      <a:pPr lvl="0" indent="0" marL="0">
                         <a:buNone/>
                       </a:pPr>
                       <a:r>
@@ -6519,7 +6518,7 @@
                     <a:bodyPr/>
                     <a:lstStyle/>
                     <a:p>
-                      <a:pPr lvl="0" marL="0" indent="0" algn="r">
+                      <a:pPr lvl="0" indent="0" marL="0" algn="r">
                         <a:buNone/>
                       </a:pPr>
                       <a:r>
@@ -6534,7 +6533,7 @@
                     <a:bodyPr/>
                     <a:lstStyle/>
                     <a:p>
-                      <a:pPr lvl="0" marL="0" indent="0" algn="l">
+                      <a:pPr lvl="0" indent="0" marL="0" algn="l">
                         <a:buNone/>
                       </a:pPr>
                       <a:r>
@@ -6549,7 +6548,7 @@
                     <a:bodyPr/>
                     <a:lstStyle/>
                     <a:p>
-                      <a:pPr lvl="0" marL="0" indent="0" algn="ctr">
+                      <a:pPr lvl="0" indent="0" marL="0" algn="ctr">
                         <a:buNone/>
                       </a:pPr>
                       <a:r>
@@ -6564,7 +6563,7 @@
                     <a:bodyPr/>
                     <a:lstStyle/>
                     <a:p>
-                      <a:pPr lvl="0" marL="0" indent="0">
+                      <a:pPr lvl="0" indent="0" marL="0">
                         <a:buNone/>
                       </a:pPr>
                       <a:r>
@@ -6581,7 +6580,7 @@
                     <a:bodyPr/>
                     <a:lstStyle/>
                     <a:p>
-                      <a:pPr lvl="0" marL="0" indent="0" algn="r">
+                      <a:pPr lvl="0" indent="0" marL="0" algn="r">
                         <a:buNone/>
                       </a:pPr>
                       <a:r>
@@ -6596,7 +6595,7 @@
                     <a:bodyPr/>
                     <a:lstStyle/>
                     <a:p>
-                      <a:pPr lvl="0" marL="0" indent="0" algn="l">
+                      <a:pPr lvl="0" indent="0" marL="0" algn="l">
                         <a:buNone/>
                       </a:pPr>
                       <a:r>
@@ -6611,7 +6610,7 @@
                     <a:bodyPr/>
                     <a:lstStyle/>
                     <a:p>
-                      <a:pPr lvl="0" marL="0" indent="0" algn="ctr">
+                      <a:pPr lvl="0" indent="0" marL="0" algn="ctr">
                         <a:buNone/>
                       </a:pPr>
                       <a:r>
@@ -6626,7 +6625,7 @@
                     <a:bodyPr/>
                     <a:lstStyle/>
                     <a:p>
-                      <a:pPr lvl="0" marL="0" indent="0">
+                      <a:pPr lvl="0" indent="0" marL="0">
                         <a:buNone/>
                       </a:pPr>
                       <a:r>
@@ -6643,7 +6642,7 @@
                     <a:bodyPr/>
                     <a:lstStyle/>
                     <a:p>
-                      <a:pPr lvl="0" marL="0" indent="0" algn="r">
+                      <a:pPr lvl="0" indent="0" marL="0" algn="r">
                         <a:buNone/>
                       </a:pPr>
                       <a:r>
@@ -6658,7 +6657,7 @@
                     <a:bodyPr/>
                     <a:lstStyle/>
                     <a:p>
-                      <a:pPr lvl="0" marL="0" indent="0" algn="l">
+                      <a:pPr lvl="0" indent="0" marL="0" algn="l">
                         <a:buNone/>
                       </a:pPr>
                       <a:r>
@@ -6673,7 +6672,7 @@
                     <a:bodyPr/>
                     <a:lstStyle/>
                     <a:p>
-                      <a:pPr lvl="0" marL="0" indent="0" algn="ctr">
+                      <a:pPr lvl="0" indent="0" marL="0" algn="ctr">
                         <a:buNone/>
                       </a:pPr>
                       <a:r>
@@ -6688,7 +6687,7 @@
                     <a:bodyPr/>
                     <a:lstStyle/>
                     <a:p>
-                      <a:pPr lvl="0" marL="0" indent="0">
+                      <a:pPr lvl="0" indent="0" marL="0">
                         <a:buNone/>
                       </a:pPr>
                       <a:r>
@@ -6723,7 +6722,7 @@
           <a:bodyPr/>
           <a:lstStyle/>
           <a:p>
-            <a:pPr lvl="0" marL="0" indent="0" algn="ctr">
+            <a:pPr lvl="0" indent="0" marL="0" algn="ctr">
               <a:buNone/>
             </a:pPr>
             <a:r>
@@ -6800,7 +6799,7 @@
           <a:bodyPr/>
           <a:lstStyle/>
           <a:p>
-            <a:pPr lvl="0" marL="0" indent="0">
+            <a:pPr lvl="0" indent="0" marL="0">
               <a:buNone/>
             </a:pPr>
             <a:r>
